--- a/67. List Comprehension.pptx
+++ b/67. List Comprehension.pptx
@@ -108,6 +108,11 @@
       </a:defRPr>
     </a:lvl9pPr>
   </p:defaultTextStyle>
+  <p:extLst>
+    <p:ext uri="{EFAFB233-063F-42B5-8137-9DF3F51BA10A}">
+      <p15:sldGuideLst xmlns:p15="http://schemas.microsoft.com/office/powerpoint/2012/main"/>
+    </p:ext>
+  </p:extLst>
 </p:presentation>
 </file>
 
@@ -153,10 +158,9 @@
           </a:lstStyle>
           <a:p>
             <a:r>
-              <a:rPr lang="en-US" smtClean="0"/>
+              <a:rPr lang="en-US"/>
               <a:t>Click to edit Master title style</a:t>
             </a:r>
-            <a:endParaRPr lang="en-US"/>
           </a:p>
         </p:txBody>
       </p:sp>
@@ -218,10 +222,9 @@
           </a:lstStyle>
           <a:p>
             <a:r>
-              <a:rPr lang="en-US" smtClean="0"/>
+              <a:rPr lang="en-US"/>
               <a:t>Click to edit Master subtitle style</a:t>
             </a:r>
-            <a:endParaRPr lang="en-US"/>
           </a:p>
         </p:txBody>
       </p:sp>
@@ -242,7 +245,7 @@
           <a:p>
             <a:fld id="{A5F7AFC8-0CAC-4122-B0AB-32753B611FF1}" type="datetimeFigureOut">
               <a:rPr lang="en-US" smtClean="0"/>
-              <a:t>1/19/2019</a:t>
+              <a:t>1/27/2019</a:t>
             </a:fld>
             <a:endParaRPr lang="en-US"/>
           </a:p>
@@ -336,10 +339,9 @@
           <a:lstStyle/>
           <a:p>
             <a:r>
-              <a:rPr lang="en-US" smtClean="0"/>
+              <a:rPr lang="en-US"/>
               <a:t>Click to edit Master title style</a:t>
             </a:r>
-            <a:endParaRPr lang="en-US"/>
           </a:p>
         </p:txBody>
       </p:sp>
@@ -360,38 +362,37 @@
           <a:p>
             <a:pPr lvl="0"/>
             <a:r>
-              <a:rPr lang="en-US" smtClean="0"/>
+              <a:rPr lang="en-US"/>
               <a:t>Edit Master text styles</a:t>
             </a:r>
           </a:p>
           <a:p>
             <a:pPr lvl="1"/>
             <a:r>
-              <a:rPr lang="en-US" smtClean="0"/>
+              <a:rPr lang="en-US"/>
               <a:t>Second level</a:t>
             </a:r>
           </a:p>
           <a:p>
             <a:pPr lvl="2"/>
             <a:r>
-              <a:rPr lang="en-US" smtClean="0"/>
+              <a:rPr lang="en-US"/>
               <a:t>Third level</a:t>
             </a:r>
           </a:p>
           <a:p>
             <a:pPr lvl="3"/>
             <a:r>
-              <a:rPr lang="en-US" smtClean="0"/>
+              <a:rPr lang="en-US"/>
               <a:t>Fourth level</a:t>
             </a:r>
           </a:p>
           <a:p>
             <a:pPr lvl="4"/>
             <a:r>
-              <a:rPr lang="en-US" smtClean="0"/>
+              <a:rPr lang="en-US"/>
               <a:t>Fifth level</a:t>
             </a:r>
-            <a:endParaRPr lang="en-US"/>
           </a:p>
         </p:txBody>
       </p:sp>
@@ -412,7 +413,7 @@
           <a:p>
             <a:fld id="{A5F7AFC8-0CAC-4122-B0AB-32753B611FF1}" type="datetimeFigureOut">
               <a:rPr lang="en-US" smtClean="0"/>
-              <a:t>1/19/2019</a:t>
+              <a:t>1/27/2019</a:t>
             </a:fld>
             <a:endParaRPr lang="en-US"/>
           </a:p>
@@ -511,10 +512,9 @@
           <a:lstStyle/>
           <a:p>
             <a:r>
-              <a:rPr lang="en-US" smtClean="0"/>
+              <a:rPr lang="en-US"/>
               <a:t>Click to edit Master title style</a:t>
             </a:r>
-            <a:endParaRPr lang="en-US"/>
           </a:p>
         </p:txBody>
       </p:sp>
@@ -540,38 +540,37 @@
           <a:p>
             <a:pPr lvl="0"/>
             <a:r>
-              <a:rPr lang="en-US" smtClean="0"/>
+              <a:rPr lang="en-US"/>
               <a:t>Edit Master text styles</a:t>
             </a:r>
           </a:p>
           <a:p>
             <a:pPr lvl="1"/>
             <a:r>
-              <a:rPr lang="en-US" smtClean="0"/>
+              <a:rPr lang="en-US"/>
               <a:t>Second level</a:t>
             </a:r>
           </a:p>
           <a:p>
             <a:pPr lvl="2"/>
             <a:r>
-              <a:rPr lang="en-US" smtClean="0"/>
+              <a:rPr lang="en-US"/>
               <a:t>Third level</a:t>
             </a:r>
           </a:p>
           <a:p>
             <a:pPr lvl="3"/>
             <a:r>
-              <a:rPr lang="en-US" smtClean="0"/>
+              <a:rPr lang="en-US"/>
               <a:t>Fourth level</a:t>
             </a:r>
           </a:p>
           <a:p>
             <a:pPr lvl="4"/>
             <a:r>
-              <a:rPr lang="en-US" smtClean="0"/>
+              <a:rPr lang="en-US"/>
               <a:t>Fifth level</a:t>
             </a:r>
-            <a:endParaRPr lang="en-US"/>
           </a:p>
         </p:txBody>
       </p:sp>
@@ -592,7 +591,7 @@
           <a:p>
             <a:fld id="{A5F7AFC8-0CAC-4122-B0AB-32753B611FF1}" type="datetimeFigureOut">
               <a:rPr lang="en-US" smtClean="0"/>
-              <a:t>1/19/2019</a:t>
+              <a:t>1/27/2019</a:t>
             </a:fld>
             <a:endParaRPr lang="en-US"/>
           </a:p>
@@ -686,10 +685,9 @@
           <a:lstStyle/>
           <a:p>
             <a:r>
-              <a:rPr lang="en-US" smtClean="0"/>
+              <a:rPr lang="en-US"/>
               <a:t>Click to edit Master title style</a:t>
             </a:r>
-            <a:endParaRPr lang="en-US"/>
           </a:p>
         </p:txBody>
       </p:sp>
@@ -710,38 +708,37 @@
           <a:p>
             <a:pPr lvl="0"/>
             <a:r>
-              <a:rPr lang="en-US" smtClean="0"/>
+              <a:rPr lang="en-US"/>
               <a:t>Edit Master text styles</a:t>
             </a:r>
           </a:p>
           <a:p>
             <a:pPr lvl="1"/>
             <a:r>
-              <a:rPr lang="en-US" smtClean="0"/>
+              <a:rPr lang="en-US"/>
               <a:t>Second level</a:t>
             </a:r>
           </a:p>
           <a:p>
             <a:pPr lvl="2"/>
             <a:r>
-              <a:rPr lang="en-US" smtClean="0"/>
+              <a:rPr lang="en-US"/>
               <a:t>Third level</a:t>
             </a:r>
           </a:p>
           <a:p>
             <a:pPr lvl="3"/>
             <a:r>
-              <a:rPr lang="en-US" smtClean="0"/>
+              <a:rPr lang="en-US"/>
               <a:t>Fourth level</a:t>
             </a:r>
           </a:p>
           <a:p>
             <a:pPr lvl="4"/>
             <a:r>
-              <a:rPr lang="en-US" smtClean="0"/>
+              <a:rPr lang="en-US"/>
               <a:t>Fifth level</a:t>
             </a:r>
-            <a:endParaRPr lang="en-US"/>
           </a:p>
         </p:txBody>
       </p:sp>
@@ -762,7 +759,7 @@
           <a:p>
             <a:fld id="{A5F7AFC8-0CAC-4122-B0AB-32753B611FF1}" type="datetimeFigureOut">
               <a:rPr lang="en-US" smtClean="0"/>
-              <a:t>1/19/2019</a:t>
+              <a:t>1/27/2019</a:t>
             </a:fld>
             <a:endParaRPr lang="en-US"/>
           </a:p>
@@ -865,10 +862,9 @@
           </a:lstStyle>
           <a:p>
             <a:r>
-              <a:rPr lang="en-US" smtClean="0"/>
+              <a:rPr lang="en-US"/>
               <a:t>Click to edit Master title style</a:t>
             </a:r>
-            <a:endParaRPr lang="en-US"/>
           </a:p>
         </p:txBody>
       </p:sp>
@@ -985,7 +981,7 @@
           <a:p>
             <a:pPr lvl="0"/>
             <a:r>
-              <a:rPr lang="en-US" smtClean="0"/>
+              <a:rPr lang="en-US"/>
               <a:t>Edit Master text styles</a:t>
             </a:r>
           </a:p>
@@ -1008,7 +1004,7 @@
           <a:p>
             <a:fld id="{A5F7AFC8-0CAC-4122-B0AB-32753B611FF1}" type="datetimeFigureOut">
               <a:rPr lang="en-US" smtClean="0"/>
-              <a:t>1/19/2019</a:t>
+              <a:t>1/27/2019</a:t>
             </a:fld>
             <a:endParaRPr lang="en-US"/>
           </a:p>
@@ -1102,10 +1098,9 @@
           <a:lstStyle/>
           <a:p>
             <a:r>
-              <a:rPr lang="en-US" smtClean="0"/>
+              <a:rPr lang="en-US"/>
               <a:t>Click to edit Master title style</a:t>
             </a:r>
-            <a:endParaRPr lang="en-US"/>
           </a:p>
         </p:txBody>
       </p:sp>
@@ -1131,38 +1126,37 @@
           <a:p>
             <a:pPr lvl="0"/>
             <a:r>
-              <a:rPr lang="en-US" smtClean="0"/>
+              <a:rPr lang="en-US"/>
               <a:t>Edit Master text styles</a:t>
             </a:r>
           </a:p>
           <a:p>
             <a:pPr lvl="1"/>
             <a:r>
-              <a:rPr lang="en-US" smtClean="0"/>
+              <a:rPr lang="en-US"/>
               <a:t>Second level</a:t>
             </a:r>
           </a:p>
           <a:p>
             <a:pPr lvl="2"/>
             <a:r>
-              <a:rPr lang="en-US" smtClean="0"/>
+              <a:rPr lang="en-US"/>
               <a:t>Third level</a:t>
             </a:r>
           </a:p>
           <a:p>
             <a:pPr lvl="3"/>
             <a:r>
-              <a:rPr lang="en-US" smtClean="0"/>
+              <a:rPr lang="en-US"/>
               <a:t>Fourth level</a:t>
             </a:r>
           </a:p>
           <a:p>
             <a:pPr lvl="4"/>
             <a:r>
-              <a:rPr lang="en-US" smtClean="0"/>
+              <a:rPr lang="en-US"/>
               <a:t>Fifth level</a:t>
             </a:r>
-            <a:endParaRPr lang="en-US"/>
           </a:p>
         </p:txBody>
       </p:sp>
@@ -1188,38 +1182,37 @@
           <a:p>
             <a:pPr lvl="0"/>
             <a:r>
-              <a:rPr lang="en-US" smtClean="0"/>
+              <a:rPr lang="en-US"/>
               <a:t>Edit Master text styles</a:t>
             </a:r>
           </a:p>
           <a:p>
             <a:pPr lvl="1"/>
             <a:r>
-              <a:rPr lang="en-US" smtClean="0"/>
+              <a:rPr lang="en-US"/>
               <a:t>Second level</a:t>
             </a:r>
           </a:p>
           <a:p>
             <a:pPr lvl="2"/>
             <a:r>
-              <a:rPr lang="en-US" smtClean="0"/>
+              <a:rPr lang="en-US"/>
               <a:t>Third level</a:t>
             </a:r>
           </a:p>
           <a:p>
             <a:pPr lvl="3"/>
             <a:r>
-              <a:rPr lang="en-US" smtClean="0"/>
+              <a:rPr lang="en-US"/>
               <a:t>Fourth level</a:t>
             </a:r>
           </a:p>
           <a:p>
             <a:pPr lvl="4"/>
             <a:r>
-              <a:rPr lang="en-US" smtClean="0"/>
+              <a:rPr lang="en-US"/>
               <a:t>Fifth level</a:t>
             </a:r>
-            <a:endParaRPr lang="en-US"/>
           </a:p>
         </p:txBody>
       </p:sp>
@@ -1240,7 +1233,7 @@
           <a:p>
             <a:fld id="{A5F7AFC8-0CAC-4122-B0AB-32753B611FF1}" type="datetimeFigureOut">
               <a:rPr lang="en-US" smtClean="0"/>
-              <a:t>1/19/2019</a:t>
+              <a:t>1/27/2019</a:t>
             </a:fld>
             <a:endParaRPr lang="en-US"/>
           </a:p>
@@ -1339,10 +1332,9 @@
           <a:lstStyle/>
           <a:p>
             <a:r>
-              <a:rPr lang="en-US" smtClean="0"/>
+              <a:rPr lang="en-US"/>
               <a:t>Click to edit Master title style</a:t>
             </a:r>
-            <a:endParaRPr lang="en-US"/>
           </a:p>
         </p:txBody>
       </p:sp>
@@ -1405,7 +1397,7 @@
           <a:p>
             <a:pPr lvl="0"/>
             <a:r>
-              <a:rPr lang="en-US" smtClean="0"/>
+              <a:rPr lang="en-US"/>
               <a:t>Edit Master text styles</a:t>
             </a:r>
           </a:p>
@@ -1433,38 +1425,37 @@
           <a:p>
             <a:pPr lvl="0"/>
             <a:r>
-              <a:rPr lang="en-US" smtClean="0"/>
+              <a:rPr lang="en-US"/>
               <a:t>Edit Master text styles</a:t>
             </a:r>
           </a:p>
           <a:p>
             <a:pPr lvl="1"/>
             <a:r>
-              <a:rPr lang="en-US" smtClean="0"/>
+              <a:rPr lang="en-US"/>
               <a:t>Second level</a:t>
             </a:r>
           </a:p>
           <a:p>
             <a:pPr lvl="2"/>
             <a:r>
-              <a:rPr lang="en-US" smtClean="0"/>
+              <a:rPr lang="en-US"/>
               <a:t>Third level</a:t>
             </a:r>
           </a:p>
           <a:p>
             <a:pPr lvl="3"/>
             <a:r>
-              <a:rPr lang="en-US" smtClean="0"/>
+              <a:rPr lang="en-US"/>
               <a:t>Fourth level</a:t>
             </a:r>
           </a:p>
           <a:p>
             <a:pPr lvl="4"/>
             <a:r>
-              <a:rPr lang="en-US" smtClean="0"/>
+              <a:rPr lang="en-US"/>
               <a:t>Fifth level</a:t>
             </a:r>
-            <a:endParaRPr lang="en-US"/>
           </a:p>
         </p:txBody>
       </p:sp>
@@ -1527,7 +1518,7 @@
           <a:p>
             <a:pPr lvl="0"/>
             <a:r>
-              <a:rPr lang="en-US" smtClean="0"/>
+              <a:rPr lang="en-US"/>
               <a:t>Edit Master text styles</a:t>
             </a:r>
           </a:p>
@@ -1555,38 +1546,37 @@
           <a:p>
             <a:pPr lvl="0"/>
             <a:r>
-              <a:rPr lang="en-US" smtClean="0"/>
+              <a:rPr lang="en-US"/>
               <a:t>Edit Master text styles</a:t>
             </a:r>
           </a:p>
           <a:p>
             <a:pPr lvl="1"/>
             <a:r>
-              <a:rPr lang="en-US" smtClean="0"/>
+              <a:rPr lang="en-US"/>
               <a:t>Second level</a:t>
             </a:r>
           </a:p>
           <a:p>
             <a:pPr lvl="2"/>
             <a:r>
-              <a:rPr lang="en-US" smtClean="0"/>
+              <a:rPr lang="en-US"/>
               <a:t>Third level</a:t>
             </a:r>
           </a:p>
           <a:p>
             <a:pPr lvl="3"/>
             <a:r>
-              <a:rPr lang="en-US" smtClean="0"/>
+              <a:rPr lang="en-US"/>
               <a:t>Fourth level</a:t>
             </a:r>
           </a:p>
           <a:p>
             <a:pPr lvl="4"/>
             <a:r>
-              <a:rPr lang="en-US" smtClean="0"/>
+              <a:rPr lang="en-US"/>
               <a:t>Fifth level</a:t>
             </a:r>
-            <a:endParaRPr lang="en-US"/>
           </a:p>
         </p:txBody>
       </p:sp>
@@ -1607,7 +1597,7 @@
           <a:p>
             <a:fld id="{A5F7AFC8-0CAC-4122-B0AB-32753B611FF1}" type="datetimeFigureOut">
               <a:rPr lang="en-US" smtClean="0"/>
-              <a:t>1/19/2019</a:t>
+              <a:t>1/27/2019</a:t>
             </a:fld>
             <a:endParaRPr lang="en-US"/>
           </a:p>
@@ -1701,10 +1691,9 @@
           <a:lstStyle/>
           <a:p>
             <a:r>
-              <a:rPr lang="en-US" smtClean="0"/>
+              <a:rPr lang="en-US"/>
               <a:t>Click to edit Master title style</a:t>
             </a:r>
-            <a:endParaRPr lang="en-US"/>
           </a:p>
         </p:txBody>
       </p:sp>
@@ -1725,7 +1714,7 @@
           <a:p>
             <a:fld id="{A5F7AFC8-0CAC-4122-B0AB-32753B611FF1}" type="datetimeFigureOut">
               <a:rPr lang="en-US" smtClean="0"/>
-              <a:t>1/19/2019</a:t>
+              <a:t>1/27/2019</a:t>
             </a:fld>
             <a:endParaRPr lang="en-US"/>
           </a:p>
@@ -1820,7 +1809,7 @@
           <a:p>
             <a:fld id="{A5F7AFC8-0CAC-4122-B0AB-32753B611FF1}" type="datetimeFigureOut">
               <a:rPr lang="en-US" smtClean="0"/>
-              <a:t>1/19/2019</a:t>
+              <a:t>1/27/2019</a:t>
             </a:fld>
             <a:endParaRPr lang="en-US"/>
           </a:p>
@@ -1923,10 +1912,9 @@
           </a:lstStyle>
           <a:p>
             <a:r>
-              <a:rPr lang="en-US" smtClean="0"/>
+              <a:rPr lang="en-US"/>
               <a:t>Click to edit Master title style</a:t>
             </a:r>
-            <a:endParaRPr lang="en-US"/>
           </a:p>
         </p:txBody>
       </p:sp>
@@ -1980,38 +1968,37 @@
           <a:p>
             <a:pPr lvl="0"/>
             <a:r>
-              <a:rPr lang="en-US" smtClean="0"/>
+              <a:rPr lang="en-US"/>
               <a:t>Edit Master text styles</a:t>
             </a:r>
           </a:p>
           <a:p>
             <a:pPr lvl="1"/>
             <a:r>
-              <a:rPr lang="en-US" smtClean="0"/>
+              <a:rPr lang="en-US"/>
               <a:t>Second level</a:t>
             </a:r>
           </a:p>
           <a:p>
             <a:pPr lvl="2"/>
             <a:r>
-              <a:rPr lang="en-US" smtClean="0"/>
+              <a:rPr lang="en-US"/>
               <a:t>Third level</a:t>
             </a:r>
           </a:p>
           <a:p>
             <a:pPr lvl="3"/>
             <a:r>
-              <a:rPr lang="en-US" smtClean="0"/>
+              <a:rPr lang="en-US"/>
               <a:t>Fourth level</a:t>
             </a:r>
           </a:p>
           <a:p>
             <a:pPr lvl="4"/>
             <a:r>
-              <a:rPr lang="en-US" smtClean="0"/>
+              <a:rPr lang="en-US"/>
               <a:t>Fifth level</a:t>
             </a:r>
-            <a:endParaRPr lang="en-US"/>
           </a:p>
         </p:txBody>
       </p:sp>
@@ -2074,7 +2061,7 @@
           <a:p>
             <a:pPr lvl="0"/>
             <a:r>
-              <a:rPr lang="en-US" smtClean="0"/>
+              <a:rPr lang="en-US"/>
               <a:t>Edit Master text styles</a:t>
             </a:r>
           </a:p>
@@ -2097,7 +2084,7 @@
           <a:p>
             <a:fld id="{A5F7AFC8-0CAC-4122-B0AB-32753B611FF1}" type="datetimeFigureOut">
               <a:rPr lang="en-US" smtClean="0"/>
-              <a:t>1/19/2019</a:t>
+              <a:t>1/27/2019</a:t>
             </a:fld>
             <a:endParaRPr lang="en-US"/>
           </a:p>
@@ -2200,10 +2187,9 @@
           </a:lstStyle>
           <a:p>
             <a:r>
-              <a:rPr lang="en-US" smtClean="0"/>
+              <a:rPr lang="en-US"/>
               <a:t>Click to edit Master title style</a:t>
             </a:r>
-            <a:endParaRPr lang="en-US"/>
           </a:p>
         </p:txBody>
       </p:sp>
@@ -2327,7 +2313,7 @@
           <a:p>
             <a:pPr lvl="0"/>
             <a:r>
-              <a:rPr lang="en-US" smtClean="0"/>
+              <a:rPr lang="en-US"/>
               <a:t>Edit Master text styles</a:t>
             </a:r>
           </a:p>
@@ -2350,7 +2336,7 @@
           <a:p>
             <a:fld id="{A5F7AFC8-0CAC-4122-B0AB-32753B611FF1}" type="datetimeFigureOut">
               <a:rPr lang="en-US" smtClean="0"/>
-              <a:t>1/19/2019</a:t>
+              <a:t>1/27/2019</a:t>
             </a:fld>
             <a:endParaRPr lang="en-US"/>
           </a:p>
@@ -2459,10 +2445,9 @@
           <a:lstStyle/>
           <a:p>
             <a:r>
-              <a:rPr lang="en-US" smtClean="0"/>
+              <a:rPr lang="en-US"/>
               <a:t>Click to edit Master title style</a:t>
             </a:r>
-            <a:endParaRPr lang="en-US"/>
           </a:p>
         </p:txBody>
       </p:sp>
@@ -2493,38 +2478,37 @@
           <a:p>
             <a:pPr lvl="0"/>
             <a:r>
-              <a:rPr lang="en-US" smtClean="0"/>
+              <a:rPr lang="en-US"/>
               <a:t>Edit Master text styles</a:t>
             </a:r>
           </a:p>
           <a:p>
             <a:pPr lvl="1"/>
             <a:r>
-              <a:rPr lang="en-US" smtClean="0"/>
+              <a:rPr lang="en-US"/>
               <a:t>Second level</a:t>
             </a:r>
           </a:p>
           <a:p>
             <a:pPr lvl="2"/>
             <a:r>
-              <a:rPr lang="en-US" smtClean="0"/>
+              <a:rPr lang="en-US"/>
               <a:t>Third level</a:t>
             </a:r>
           </a:p>
           <a:p>
             <a:pPr lvl="3"/>
             <a:r>
-              <a:rPr lang="en-US" smtClean="0"/>
+              <a:rPr lang="en-US"/>
               <a:t>Fourth level</a:t>
             </a:r>
           </a:p>
           <a:p>
             <a:pPr lvl="4"/>
             <a:r>
-              <a:rPr lang="en-US" smtClean="0"/>
+              <a:rPr lang="en-US"/>
               <a:t>Fifth level</a:t>
             </a:r>
-            <a:endParaRPr lang="en-US"/>
           </a:p>
         </p:txBody>
       </p:sp>
@@ -2563,7 +2547,7 @@
           <a:p>
             <a:fld id="{A5F7AFC8-0CAC-4122-B0AB-32753B611FF1}" type="datetimeFigureOut">
               <a:rPr lang="en-US" smtClean="0"/>
-              <a:t>1/19/2019</a:t>
+              <a:t>1/27/2019</a:t>
             </a:fld>
             <a:endParaRPr lang="en-US"/>
           </a:p>
@@ -3080,7 +3064,7 @@
               <a:defRPr/>
             </a:pPr>
             <a:r>
-              <a:rPr lang="en-US" sz="4800" dirty="0" smtClean="0">
+              <a:rPr lang="en-US" sz="4800" dirty="0">
                 <a:solidFill>
                   <a:prstClr val="white"/>
                 </a:solidFill>
@@ -3089,13 +3073,6 @@
               </a:rPr>
               <a:t>Comprehension with List</a:t>
             </a:r>
-            <a:endParaRPr lang="en-US" sz="4800" dirty="0">
-              <a:solidFill>
-                <a:prstClr val="white"/>
-              </a:solidFill>
-              <a:latin typeface="Source Sans Pro Light" panose="020B0403030403020204" pitchFamily="34" charset="0"/>
-              <a:ea typeface="Source Sans Pro Light" panose="020B0403030403020204" pitchFamily="34" charset="0"/>
-            </a:endParaRPr>
           </a:p>
         </p:txBody>
       </p:sp>
@@ -3127,7 +3104,7 @@
         </p:blipFill>
         <p:spPr>
           <a:xfrm>
-            <a:off x="2408106" y="3037198"/>
+            <a:off x="1864409" y="2946952"/>
             <a:ext cx="964096" cy="964096"/>
           </a:xfrm>
           <a:prstGeom prst="rect">
